--- a/C++资料包/math/位运算与进制转换.pptx
+++ b/C++资料包/math/位运算与进制转换.pptx
@@ -5,14 +5,21 @@
     <p:sldMasterId id="2147483648" r:id="rId1"/>
   </p:sldMasterIdLst>
   <p:notesMasterIdLst>
-    <p:notesMasterId r:id="rId5"/>
+    <p:notesMasterId r:id="rId12"/>
   </p:notesMasterIdLst>
   <p:handoutMasterIdLst>
-    <p:handoutMasterId r:id="rId6"/>
+    <p:handoutMasterId r:id="rId13"/>
   </p:handoutMasterIdLst>
   <p:sldIdLst>
-    <p:sldId id="256" r:id="rId3"/>
-    <p:sldId id="257" r:id="rId4"/>
+    <p:sldId id="257" r:id="rId3"/>
+    <p:sldId id="258" r:id="rId4"/>
+    <p:sldId id="256" r:id="rId5"/>
+    <p:sldId id="259" r:id="rId6"/>
+    <p:sldId id="260" r:id="rId7"/>
+    <p:sldId id="261" r:id="rId8"/>
+    <p:sldId id="262" r:id="rId9"/>
+    <p:sldId id="263" r:id="rId10"/>
+    <p:sldId id="264" r:id="rId11"/>
   </p:sldIdLst>
   <p:sldSz cx="12192000" cy="6858000"/>
   <p:notesSz cx="7103745" cy="10234295"/>
@@ -3450,7 +3457,7 @@
       <p:grpSpPr/>
       <p:sp>
         <p:nvSpPr>
-          <p:cNvPr id="4" name="标题 3"/>
+          <p:cNvPr id="2" name="标题 1"/>
           <p:cNvSpPr>
             <a:spLocks noGrp="1"/>
           </p:cNvSpPr>
@@ -3463,107 +3470,85 @@
           <a:bodyPr/>
           <a:p>
             <a:r>
+              <a:rPr lang="" altLang="en-US"/>
+              <a:t>freopen</a:t>
+            </a:r>
+            <a:endParaRPr lang="" altLang="en-US"/>
+          </a:p>
+        </p:txBody>
+      </p:sp>
+      <p:sp>
+        <p:nvSpPr>
+          <p:cNvPr id="3" name="内容占位符 2"/>
+          <p:cNvSpPr>
+            <a:spLocks noGrp="1"/>
+          </p:cNvSpPr>
+          <p:nvPr>
+            <p:ph idx="1"/>
+          </p:nvPr>
+        </p:nvSpPr>
+        <p:spPr/>
+        <p:txBody>
+          <a:bodyPr/>
+          <a:p>
+            <a:r>
+              <a:rPr lang="zh-CN" altLang="en-US"/>
+              <a:t>freopen("test.in","r",stdin);//输入重定向，输入数据将从</a:t>
+            </a:r>
+            <a:r>
               <a:rPr lang="" altLang="zh-CN"/>
-              <a:t>位运算与进制转换</a:t>
+              <a:t>test.in</a:t>
+            </a:r>
+            <a:r>
+              <a:rPr lang="zh-CN" altLang="en-US"/>
+              <a:t>文件中读取</a:t>
+            </a:r>
+            <a:endParaRPr lang="zh-CN" altLang="en-US"/>
+          </a:p>
+          <a:p>
+            <a:r>
+              <a:rPr lang="zh-CN" altLang="en-US">
+                <a:sym typeface="+mn-ea"/>
+              </a:rPr>
+              <a:t>freopen("test.out","</a:t>
+            </a:r>
+            <a:r>
+              <a:rPr lang="" altLang="zh-CN">
+                <a:sym typeface="+mn-ea"/>
+              </a:rPr>
+              <a:t>w</a:t>
+            </a:r>
+            <a:r>
+              <a:rPr lang="zh-CN" altLang="en-US">
+                <a:sym typeface="+mn-ea"/>
+              </a:rPr>
+              <a:t>",stdout);//输出重定向，输出数据将保存在</a:t>
+            </a:r>
+            <a:r>
+              <a:rPr lang="" altLang="zh-CN">
+                <a:sym typeface="+mn-ea"/>
+              </a:rPr>
+              <a:t>test.out</a:t>
+            </a:r>
+            <a:r>
+              <a:rPr lang="zh-CN" altLang="en-US">
+                <a:sym typeface="+mn-ea"/>
+              </a:rPr>
+              <a:t>文件中</a:t>
+            </a:r>
+            <a:endParaRPr lang="zh-CN" altLang="en-US"/>
+          </a:p>
+          <a:p>
+            <a:r>
+              <a:rPr lang="" altLang="zh-CN"/>
+              <a:t>fclose(stdin);//关闭文件</a:t>
             </a:r>
             <a:endParaRPr lang="" altLang="zh-CN"/>
           </a:p>
-        </p:txBody>
-      </p:sp>
-      <p:sp>
-        <p:nvSpPr>
-          <p:cNvPr id="5" name="内容占位符 4"/>
-          <p:cNvSpPr>
-            <a:spLocks noGrp="1"/>
-          </p:cNvSpPr>
-          <p:nvPr>
-            <p:ph idx="1"/>
-          </p:nvPr>
-        </p:nvSpPr>
-        <p:spPr/>
-        <p:txBody>
-          <a:bodyPr/>
           <a:p>
             <a:r>
               <a:rPr lang="" altLang="zh-CN"/>
-              <a:t>位运算</a:t>
-            </a:r>
-            <a:endParaRPr lang="" altLang="zh-CN"/>
-          </a:p>
-          <a:p>
-            <a:pPr marL="0" indent="0">
-              <a:buNone/>
-            </a:pPr>
-            <a:r>
-              <a:rPr lang="" altLang="zh-CN"/>
-              <a:t>	&amp; （位   “与”）  and</a:t>
-            </a:r>
-            <a:endParaRPr lang="" altLang="zh-CN"/>
-          </a:p>
-          <a:p>
-            <a:pPr marL="0" indent="0">
-              <a:buNone/>
-            </a:pPr>
-            <a:r>
-              <a:rPr lang="" altLang="zh-CN"/>
-              <a:t>      	^  （位   “异或”）	不同则为1，相同则为0</a:t>
-            </a:r>
-            <a:endParaRPr lang="" altLang="zh-CN"/>
-          </a:p>
-          <a:p>
-            <a:pPr marL="0" indent="0">
-              <a:buNone/>
-            </a:pPr>
-            <a:r>
-              <a:rPr lang="" altLang="zh-CN"/>
-              <a:t>   	|   （位    “或”）   or</a:t>
-            </a:r>
-            <a:endParaRPr lang="" altLang="zh-CN"/>
-          </a:p>
-          <a:p>
-            <a:pPr marL="0" indent="0">
-              <a:buNone/>
-            </a:pPr>
-            <a:r>
-              <a:rPr lang="" altLang="zh-CN"/>
-              <a:t>      	~  （位   “取反”）</a:t>
-            </a:r>
-            <a:endParaRPr lang="" altLang="zh-CN"/>
-          </a:p>
-          <a:p>
-            <a:pPr marL="0" indent="0">
-              <a:buNone/>
-            </a:pPr>
-            <a:r>
-              <a:rPr lang="" altLang="zh-CN"/>
-              <a:t>	&lt;&lt;（左移）</a:t>
-            </a:r>
-            <a:endParaRPr lang="" altLang="zh-CN"/>
-          </a:p>
-          <a:p>
-            <a:pPr marL="0" indent="0">
-              <a:buNone/>
-            </a:pPr>
-            <a:r>
-              <a:rPr lang="" altLang="zh-CN"/>
-              <a:t>      	&gt;&gt;（右移</a:t>
-            </a:r>
-            <a:endParaRPr lang="" altLang="zh-CN"/>
-          </a:p>
-          <a:p>
-            <a:r>
-              <a:rPr lang="" altLang="zh-CN"/>
-              <a:t>进制转换</a:t>
-            </a:r>
-            <a:endParaRPr lang="" altLang="zh-CN"/>
-          </a:p>
-          <a:p>
-            <a:pPr marL="914400" lvl="2" indent="0">
-              <a:buNone/>
-            </a:pPr>
-            <a:r>
-              <a:rPr lang="" altLang="zh-CN"/>
-              <a:t>P1143 进制转换</a:t>
+              <a:t>fclose(stdout);</a:t>
             </a:r>
             <a:endParaRPr lang="" altLang="zh-CN"/>
           </a:p>
@@ -3602,9 +3587,226 @@
           <a:bodyPr/>
           <a:p>
             <a:r>
+              <a:rPr lang="en-US" altLang="zh-CN">
+                <a:sym typeface="+mn-ea"/>
+              </a:rPr>
+              <a:t>进制转换</a:t>
+            </a:r>
+            <a:endParaRPr lang="zh-CN" altLang="en-US"/>
+          </a:p>
+        </p:txBody>
+      </p:sp>
+      <p:sp>
+        <p:nvSpPr>
+          <p:cNvPr id="3" name="内容占位符 2"/>
+          <p:cNvSpPr>
+            <a:spLocks noGrp="1"/>
+          </p:cNvSpPr>
+          <p:nvPr>
+            <p:ph idx="1"/>
+          </p:nvPr>
+        </p:nvSpPr>
+        <p:spPr/>
+        <p:txBody>
+          <a:bodyPr/>
+          <a:p>
+            <a:r>
+              <a:rPr lang="en-US" altLang="zh-CN" sz="2000">
+                <a:sym typeface="+mn-ea"/>
+              </a:rPr>
+              <a:t>进制转换</a:t>
+            </a:r>
+            <a:endParaRPr lang="en-US" altLang="zh-CN" sz="2000"/>
+          </a:p>
+          <a:p>
+            <a:pPr marL="914400" lvl="2" indent="0">
+              <a:buNone/>
+            </a:pPr>
+            <a:r>
+              <a:rPr lang="en-US" altLang="zh-CN" sz="2000">
+                <a:sym typeface="+mn-ea"/>
+              </a:rPr>
+              <a:t>P1143 进制转换</a:t>
+            </a:r>
+            <a:endParaRPr lang="en-US" altLang="zh-CN" sz="2000"/>
+          </a:p>
+          <a:p>
+            <a:r>
               <a:rPr lang="" altLang="zh-CN"/>
+              <a:t>其他进制转十进制</a:t>
+            </a:r>
+            <a:endParaRPr lang="" altLang="zh-CN"/>
+          </a:p>
+          <a:p>
+            <a:r>
+              <a:rPr lang="" altLang="zh-CN"/>
+              <a:t>十进制转其他进制（栈）</a:t>
+            </a:r>
+            <a:endParaRPr lang="" altLang="zh-CN"/>
+          </a:p>
+        </p:txBody>
+      </p:sp>
+    </p:spTree>
+  </p:cSld>
+  <p:clrMapOvr>
+    <a:masterClrMapping/>
+  </p:clrMapOvr>
+</p:sld>
+</file>
+
+<file path=ppt/slides/slide3.xml><?xml version="1.0" encoding="utf-8"?>
+<p:sld xmlns:a="http://schemas.openxmlformats.org/drawingml/2006/main" xmlns:r="http://schemas.openxmlformats.org/officeDocument/2006/relationships" xmlns:p="http://schemas.openxmlformats.org/presentationml/2006/main">
+  <p:cSld>
+    <p:spTree>
+      <p:nvGrpSpPr>
+        <p:cNvPr id="1" name=""/>
+        <p:cNvGrpSpPr/>
+        <p:nvPr/>
+      </p:nvGrpSpPr>
+      <p:grpSpPr/>
+      <p:sp>
+        <p:nvSpPr>
+          <p:cNvPr id="4" name="标题 3"/>
+          <p:cNvSpPr>
+            <a:spLocks noGrp="1"/>
+          </p:cNvSpPr>
+          <p:nvPr>
+            <p:ph type="title"/>
+          </p:nvPr>
+        </p:nvSpPr>
+        <p:spPr/>
+        <p:txBody>
+          <a:bodyPr/>
+          <a:p>
+            <a:r>
+              <a:rPr lang="en-US" altLang="zh-CN"/>
               <a:t>位运算</a:t>
             </a:r>
+            <a:endParaRPr lang="en-US" altLang="zh-CN"/>
+          </a:p>
+        </p:txBody>
+      </p:sp>
+      <p:sp>
+        <p:nvSpPr>
+          <p:cNvPr id="5" name="内容占位符 4"/>
+          <p:cNvSpPr>
+            <a:spLocks noGrp="1"/>
+          </p:cNvSpPr>
+          <p:nvPr>
+            <p:ph idx="1"/>
+          </p:nvPr>
+        </p:nvSpPr>
+        <p:spPr/>
+        <p:txBody>
+          <a:bodyPr/>
+          <a:p>
+            <a:r>
+              <a:rPr lang="en-US" altLang="zh-CN"/>
+              <a:t>位运算</a:t>
+            </a:r>
+            <a:endParaRPr lang="en-US" altLang="zh-CN"/>
+          </a:p>
+          <a:p>
+            <a:pPr marL="0" indent="0">
+              <a:buNone/>
+            </a:pPr>
+            <a:r>
+              <a:rPr lang="en-US" altLang="zh-CN"/>
+              <a:t>	&amp; （位   “与”）  and</a:t>
+            </a:r>
+            <a:endParaRPr lang="en-US" altLang="zh-CN"/>
+          </a:p>
+          <a:p>
+            <a:pPr marL="0" indent="0">
+              <a:buNone/>
+            </a:pPr>
+            <a:r>
+              <a:rPr lang="en-US" altLang="zh-CN"/>
+              <a:t>      	^  （位   “异或”）	不同则为1，相同则为0</a:t>
+            </a:r>
+            <a:endParaRPr lang="en-US" altLang="zh-CN"/>
+          </a:p>
+          <a:p>
+            <a:pPr marL="0" indent="0">
+              <a:buNone/>
+            </a:pPr>
+            <a:r>
+              <a:rPr lang="en-US" altLang="zh-CN"/>
+              <a:t>   	|   （位    “或”）   or</a:t>
+            </a:r>
+            <a:endParaRPr lang="en-US" altLang="zh-CN"/>
+          </a:p>
+          <a:p>
+            <a:pPr marL="0" indent="0">
+              <a:buNone/>
+            </a:pPr>
+            <a:r>
+              <a:rPr lang="en-US" altLang="zh-CN"/>
+              <a:t>      	~  （位   “取反”）</a:t>
+            </a:r>
+            <a:endParaRPr lang="en-US" altLang="zh-CN"/>
+          </a:p>
+          <a:p>
+            <a:pPr marL="0" indent="0">
+              <a:buNone/>
+            </a:pPr>
+            <a:r>
+              <a:rPr lang="en-US" altLang="zh-CN"/>
+              <a:t>	&lt;&lt;（左移）</a:t>
+            </a:r>
+            <a:endParaRPr lang="en-US" altLang="zh-CN"/>
+          </a:p>
+          <a:p>
+            <a:pPr marL="0" indent="0">
+              <a:buNone/>
+            </a:pPr>
+            <a:r>
+              <a:rPr lang="en-US" altLang="zh-CN"/>
+              <a:t>      	&gt;&gt;（右移</a:t>
+            </a:r>
+            <a:endParaRPr lang="en-US" altLang="zh-CN"/>
+          </a:p>
+          <a:p>
+            <a:endParaRPr lang="en-US" altLang="zh-CN"/>
+          </a:p>
+        </p:txBody>
+      </p:sp>
+    </p:spTree>
+  </p:cSld>
+  <p:clrMapOvr>
+    <a:masterClrMapping/>
+  </p:clrMapOvr>
+</p:sld>
+</file>
+
+<file path=ppt/slides/slide4.xml><?xml version="1.0" encoding="utf-8"?>
+<p:sld xmlns:a="http://schemas.openxmlformats.org/drawingml/2006/main" xmlns:r="http://schemas.openxmlformats.org/officeDocument/2006/relationships" xmlns:p="http://schemas.openxmlformats.org/presentationml/2006/main">
+  <p:cSld>
+    <p:spTree>
+      <p:nvGrpSpPr>
+        <p:cNvPr id="1" name=""/>
+        <p:cNvGrpSpPr/>
+        <p:nvPr/>
+      </p:nvGrpSpPr>
+      <p:grpSpPr/>
+      <p:sp>
+        <p:nvSpPr>
+          <p:cNvPr id="2" name="标题 1"/>
+          <p:cNvSpPr>
+            <a:spLocks noGrp="1"/>
+          </p:cNvSpPr>
+          <p:nvPr>
+            <p:ph type="title"/>
+          </p:nvPr>
+        </p:nvSpPr>
+        <p:spPr/>
+        <p:txBody>
+          <a:bodyPr/>
+          <a:p>
+            <a:r>
+              <a:rPr lang="" altLang="zh-CN"/>
+              <a:t>最大公约数、最小公倍数   P1029 最大公约数和最小公倍数问题</a:t>
+            </a:r>
             <a:endParaRPr lang="" altLang="zh-CN"/>
           </a:p>
         </p:txBody>
@@ -3623,10 +3825,365 @@
         <p:txBody>
           <a:bodyPr/>
           <a:p>
-            <a:endParaRPr lang="zh-CN" altLang="en-US"/>
-          </a:p>
-        </p:txBody>
-      </p:sp>
+            <a:r>
+              <a:rPr lang="zh-CN" altLang="en-US"/>
+              <a:t>x*y=最小公倍数*最大公约数</a:t>
+            </a:r>
+            <a:endParaRPr lang="zh-CN" altLang="en-US"/>
+          </a:p>
+          <a:p>
+            <a:endParaRPr lang="zh-CN" altLang="en-US"/>
+          </a:p>
+          <a:p>
+            <a:endParaRPr lang="zh-CN" altLang="en-US"/>
+          </a:p>
+          <a:p>
+            <a:endParaRPr lang="zh-CN" altLang="en-US"/>
+          </a:p>
+          <a:p>
+            <a:endParaRPr lang="zh-CN" altLang="en-US"/>
+          </a:p>
+          <a:p>
+            <a:r>
+              <a:rPr lang="" altLang="zh-CN"/>
+              <a:t>如何求最大公约数？</a:t>
+            </a:r>
+            <a:endParaRPr lang="" altLang="zh-CN"/>
+          </a:p>
+        </p:txBody>
+      </p:sp>
+    </p:spTree>
+  </p:cSld>
+  <p:clrMapOvr>
+    <a:masterClrMapping/>
+  </p:clrMapOvr>
+</p:sld>
+</file>
+
+<file path=ppt/slides/slide5.xml><?xml version="1.0" encoding="utf-8"?>
+<p:sld xmlns:a="http://schemas.openxmlformats.org/drawingml/2006/main" xmlns:r="http://schemas.openxmlformats.org/officeDocument/2006/relationships" xmlns:p="http://schemas.openxmlformats.org/presentationml/2006/main">
+  <p:cSld>
+    <p:spTree>
+      <p:nvGrpSpPr>
+        <p:cNvPr id="1" name=""/>
+        <p:cNvGrpSpPr/>
+        <p:nvPr/>
+      </p:nvGrpSpPr>
+      <p:grpSpPr/>
+      <p:sp>
+        <p:nvSpPr>
+          <p:cNvPr id="2" name="标题 1"/>
+          <p:cNvSpPr>
+            <a:spLocks noGrp="1"/>
+          </p:cNvSpPr>
+          <p:nvPr>
+            <p:ph type="title"/>
+          </p:nvPr>
+        </p:nvSpPr>
+        <p:spPr/>
+        <p:txBody>
+          <a:bodyPr/>
+          <a:p>
+            <a:r>
+              <a:rPr lang="en-US" altLang="zh-CN"/>
+              <a:t>最大公约数</a:t>
+            </a:r>
+            <a:r>
+              <a:rPr lang="" altLang="en-US"/>
+              <a:t>、</a:t>
+            </a:r>
+            <a:r>
+              <a:rPr lang="en-US" altLang="zh-CN">
+                <a:sym typeface="+mn-ea"/>
+              </a:rPr>
+              <a:t>辗转相除法</a:t>
+            </a:r>
+            <a:endParaRPr lang="" altLang="en-US"/>
+          </a:p>
+        </p:txBody>
+      </p:sp>
+      <p:pic>
+        <p:nvPicPr>
+          <p:cNvPr id="4" name="内容占位符 3"/>
+          <p:cNvPicPr>
+            <a:picLocks noChangeAspect="1"/>
+          </p:cNvPicPr>
+          <p:nvPr>
+            <p:ph idx="1"/>
+          </p:nvPr>
+        </p:nvPicPr>
+        <p:blipFill>
+          <a:blip r:embed="rId1"/>
+          <a:stretch>
+            <a:fillRect/>
+          </a:stretch>
+        </p:blipFill>
+        <p:spPr>
+          <a:xfrm>
+            <a:off x="647700" y="1557020"/>
+            <a:ext cx="8181975" cy="4721860"/>
+          </a:xfrm>
+          <a:prstGeom prst="rect">
+            <a:avLst/>
+          </a:prstGeom>
+        </p:spPr>
+      </p:pic>
+    </p:spTree>
+  </p:cSld>
+  <p:clrMapOvr>
+    <a:masterClrMapping/>
+  </p:clrMapOvr>
+</p:sld>
+</file>
+
+<file path=ppt/slides/slide6.xml><?xml version="1.0" encoding="utf-8"?>
+<p:sld xmlns:a="http://schemas.openxmlformats.org/drawingml/2006/main" xmlns:r="http://schemas.openxmlformats.org/officeDocument/2006/relationships" xmlns:p="http://schemas.openxmlformats.org/presentationml/2006/main">
+  <p:cSld>
+    <p:spTree>
+      <p:nvGrpSpPr>
+        <p:cNvPr id="1" name=""/>
+        <p:cNvGrpSpPr/>
+        <p:nvPr/>
+      </p:nvGrpSpPr>
+      <p:grpSpPr/>
+      <p:sp>
+        <p:nvSpPr>
+          <p:cNvPr id="2" name="标题 1"/>
+          <p:cNvSpPr>
+            <a:spLocks noGrp="1"/>
+          </p:cNvSpPr>
+          <p:nvPr>
+            <p:ph type="title"/>
+          </p:nvPr>
+        </p:nvSpPr>
+        <p:spPr/>
+        <p:txBody>
+          <a:bodyPr/>
+          <a:p>
+            <a:r>
+              <a:rPr lang="" altLang="zh-CN"/>
+              <a:t>加法原理、乘法原理  P1866编号</a:t>
+            </a:r>
+            <a:endParaRPr lang="" altLang="zh-CN"/>
+          </a:p>
+        </p:txBody>
+      </p:sp>
+      <p:pic>
+        <p:nvPicPr>
+          <p:cNvPr id="4" name="内容占位符 3"/>
+          <p:cNvPicPr>
+            <a:picLocks noChangeAspect="1"/>
+          </p:cNvPicPr>
+          <p:nvPr>
+            <p:ph idx="1"/>
+          </p:nvPr>
+        </p:nvPicPr>
+        <p:blipFill>
+          <a:blip r:embed="rId1"/>
+          <a:stretch>
+            <a:fillRect/>
+          </a:stretch>
+        </p:blipFill>
+        <p:spPr>
+          <a:xfrm>
+            <a:off x="647700" y="1467485"/>
+            <a:ext cx="10002520" cy="3352800"/>
+          </a:xfrm>
+          <a:prstGeom prst="rect">
+            <a:avLst/>
+          </a:prstGeom>
+        </p:spPr>
+      </p:pic>
+    </p:spTree>
+  </p:cSld>
+  <p:clrMapOvr>
+    <a:masterClrMapping/>
+  </p:clrMapOvr>
+</p:sld>
+</file>
+
+<file path=ppt/slides/slide7.xml><?xml version="1.0" encoding="utf-8"?>
+<p:sld xmlns:a="http://schemas.openxmlformats.org/drawingml/2006/main" xmlns:r="http://schemas.openxmlformats.org/officeDocument/2006/relationships" xmlns:p="http://schemas.openxmlformats.org/presentationml/2006/main">
+  <p:cSld>
+    <p:spTree>
+      <p:nvGrpSpPr>
+        <p:cNvPr id="1" name=""/>
+        <p:cNvGrpSpPr/>
+        <p:nvPr/>
+      </p:nvGrpSpPr>
+      <p:grpSpPr/>
+      <p:sp>
+        <p:nvSpPr>
+          <p:cNvPr id="2" name="标题 1"/>
+          <p:cNvSpPr>
+            <a:spLocks noGrp="1"/>
+          </p:cNvSpPr>
+          <p:nvPr>
+            <p:ph type="title"/>
+          </p:nvPr>
+        </p:nvSpPr>
+        <p:spPr/>
+        <p:txBody>
+          <a:bodyPr/>
+          <a:p>
+            <a:endParaRPr lang="zh-CN" altLang="en-US"/>
+          </a:p>
+        </p:txBody>
+      </p:sp>
+      <p:pic>
+        <p:nvPicPr>
+          <p:cNvPr id="4" name="内容占位符 3"/>
+          <p:cNvPicPr>
+            <a:picLocks noChangeAspect="1"/>
+          </p:cNvPicPr>
+          <p:nvPr>
+            <p:ph idx="1"/>
+          </p:nvPr>
+        </p:nvPicPr>
+        <p:blipFill>
+          <a:blip r:embed="rId1"/>
+          <a:stretch>
+            <a:fillRect/>
+          </a:stretch>
+        </p:blipFill>
+        <p:spPr>
+          <a:xfrm>
+            <a:off x="647700" y="258445"/>
+            <a:ext cx="9679305" cy="6083935"/>
+          </a:xfrm>
+          <a:prstGeom prst="rect">
+            <a:avLst/>
+          </a:prstGeom>
+        </p:spPr>
+      </p:pic>
+    </p:spTree>
+  </p:cSld>
+  <p:clrMapOvr>
+    <a:masterClrMapping/>
+  </p:clrMapOvr>
+</p:sld>
+</file>
+
+<file path=ppt/slides/slide8.xml><?xml version="1.0" encoding="utf-8"?>
+<p:sld xmlns:a="http://schemas.openxmlformats.org/drawingml/2006/main" xmlns:r="http://schemas.openxmlformats.org/officeDocument/2006/relationships" xmlns:p="http://schemas.openxmlformats.org/presentationml/2006/main">
+  <p:cSld>
+    <p:spTree>
+      <p:nvGrpSpPr>
+        <p:cNvPr id="1" name=""/>
+        <p:cNvGrpSpPr/>
+        <p:nvPr/>
+      </p:nvGrpSpPr>
+      <p:grpSpPr/>
+      <p:sp>
+        <p:nvSpPr>
+          <p:cNvPr id="2" name="标题 1"/>
+          <p:cNvSpPr>
+            <a:spLocks noGrp="1"/>
+          </p:cNvSpPr>
+          <p:nvPr>
+            <p:ph type="title"/>
+          </p:nvPr>
+        </p:nvSpPr>
+        <p:spPr/>
+        <p:txBody>
+          <a:bodyPr/>
+          <a:p>
+            <a:endParaRPr lang="zh-CN" altLang="en-US"/>
+          </a:p>
+        </p:txBody>
+      </p:sp>
+      <p:pic>
+        <p:nvPicPr>
+          <p:cNvPr id="9" name="内容占位符 8"/>
+          <p:cNvPicPr>
+            <a:picLocks noChangeAspect="1"/>
+          </p:cNvPicPr>
+          <p:nvPr>
+            <p:ph idx="1"/>
+          </p:nvPr>
+        </p:nvPicPr>
+        <p:blipFill>
+          <a:blip r:embed="rId1"/>
+          <a:stretch>
+            <a:fillRect/>
+          </a:stretch>
+        </p:blipFill>
+        <p:spPr>
+          <a:xfrm>
+            <a:off x="132715" y="258445"/>
+            <a:ext cx="11667490" cy="6202045"/>
+          </a:xfrm>
+          <a:prstGeom prst="rect">
+            <a:avLst/>
+          </a:prstGeom>
+        </p:spPr>
+      </p:pic>
+    </p:spTree>
+  </p:cSld>
+  <p:clrMapOvr>
+    <a:masterClrMapping/>
+  </p:clrMapOvr>
+</p:sld>
+</file>
+
+<file path=ppt/slides/slide9.xml><?xml version="1.0" encoding="utf-8"?>
+<p:sld xmlns:a="http://schemas.openxmlformats.org/drawingml/2006/main" xmlns:r="http://schemas.openxmlformats.org/officeDocument/2006/relationships" xmlns:p="http://schemas.openxmlformats.org/presentationml/2006/main">
+  <p:cSld>
+    <p:spTree>
+      <p:nvGrpSpPr>
+        <p:cNvPr id="1" name=""/>
+        <p:cNvGrpSpPr/>
+        <p:nvPr/>
+      </p:nvGrpSpPr>
+      <p:grpSpPr/>
+      <p:sp>
+        <p:nvSpPr>
+          <p:cNvPr id="2" name="标题 1"/>
+          <p:cNvSpPr>
+            <a:spLocks noGrp="1"/>
+          </p:cNvSpPr>
+          <p:nvPr>
+            <p:ph type="title"/>
+          </p:nvPr>
+        </p:nvSpPr>
+        <p:spPr/>
+        <p:txBody>
+          <a:bodyPr/>
+          <a:p>
+            <a:r>
+              <a:rPr lang="zh-CN" altLang="en-US"/>
+              <a:t>P5520 [yLOI2019] 青原樱</a:t>
+            </a:r>
+            <a:endParaRPr lang="zh-CN" altLang="en-US"/>
+          </a:p>
+        </p:txBody>
+      </p:sp>
+      <p:pic>
+        <p:nvPicPr>
+          <p:cNvPr id="4" name="内容占位符 3"/>
+          <p:cNvPicPr>
+            <a:picLocks noChangeAspect="1"/>
+          </p:cNvPicPr>
+          <p:nvPr>
+            <p:ph idx="1"/>
+          </p:nvPr>
+        </p:nvPicPr>
+        <p:blipFill>
+          <a:blip r:embed="rId1"/>
+          <a:stretch>
+            <a:fillRect/>
+          </a:stretch>
+        </p:blipFill>
+        <p:spPr>
+          <a:xfrm>
+            <a:off x="401320" y="1252855"/>
+            <a:ext cx="5741670" cy="5296535"/>
+          </a:xfrm>
+          <a:prstGeom prst="rect">
+            <a:avLst/>
+          </a:prstGeom>
+        </p:spPr>
+      </p:pic>
     </p:spTree>
   </p:cSld>
   <p:clrMapOvr>
